--- a/docs/speeding_up_pytest_runs_SFPython_4_10_24.pptx
+++ b/docs/speeding_up_pytest_runs_SFPython_4_10_24.pptx
@@ -4589,6 +4589,42 @@
           </a:p>
         </p:txBody>
       </p:sp>
+      <p:pic>
+        <p:nvPicPr>
+          <p:cNvPr id="2" name="Picture 1" descr="A cartoon of a bee looking at a magnifying glass&#10;&#10;Description automatically generated">
+            <a:extLst>
+              <a:ext uri="{FF2B5EF4-FFF2-40B4-BE49-F238E27FC236}">
+                <a16:creationId xmlns:a16="http://schemas.microsoft.com/office/drawing/2014/main" id="{12BFF972-012A-39EE-4FD6-23AD070B2089}"/>
+              </a:ext>
+            </a:extLst>
+          </p:cNvPr>
+          <p:cNvPicPr>
+            <a:picLocks noChangeAspect="1"/>
+          </p:cNvPicPr>
+          <p:nvPr/>
+        </p:nvPicPr>
+        <p:blipFill>
+          <a:blip r:embed="rId3">
+            <a:extLst>
+              <a:ext uri="{28A0092B-C50C-407E-A947-70E740481C1C}">
+                <a14:useLocalDpi xmlns:a14="http://schemas.microsoft.com/office/drawing/2010/main" val="0"/>
+              </a:ext>
+            </a:extLst>
+          </a:blip>
+          <a:stretch>
+            <a:fillRect/>
+          </a:stretch>
+        </p:blipFill>
+        <p:spPr>
+          <a:xfrm>
+            <a:off x="8533260" y="1698672"/>
+            <a:ext cx="886710" cy="886710"/>
+          </a:xfrm>
+          <a:prstGeom prst="rect">
+            <a:avLst/>
+          </a:prstGeom>
+        </p:spPr>
+      </p:pic>
     </p:spTree>
     <p:extLst>
       <p:ext uri="{BB962C8B-B14F-4D97-AF65-F5344CB8AC3E}">
@@ -4828,6 +4864,42 @@
           </a:p>
         </p:txBody>
       </p:sp>
+      <p:pic>
+        <p:nvPicPr>
+          <p:cNvPr id="2" name="Picture 1" descr="A cartoon of a bee looking at a magnifying glass&#10;&#10;Description automatically generated">
+            <a:extLst>
+              <a:ext uri="{FF2B5EF4-FFF2-40B4-BE49-F238E27FC236}">
+                <a16:creationId xmlns:a16="http://schemas.microsoft.com/office/drawing/2014/main" id="{79BAF0E6-5F80-A967-FC39-2DD867CD1F50}"/>
+              </a:ext>
+            </a:extLst>
+          </p:cNvPr>
+          <p:cNvPicPr>
+            <a:picLocks noChangeAspect="1"/>
+          </p:cNvPicPr>
+          <p:nvPr/>
+        </p:nvPicPr>
+        <p:blipFill>
+          <a:blip r:embed="rId3">
+            <a:extLst>
+              <a:ext uri="{28A0092B-C50C-407E-A947-70E740481C1C}">
+                <a14:useLocalDpi xmlns:a14="http://schemas.microsoft.com/office/drawing/2010/main" val="0"/>
+              </a:ext>
+            </a:extLst>
+          </a:blip>
+          <a:stretch>
+            <a:fillRect/>
+          </a:stretch>
+        </p:blipFill>
+        <p:spPr>
+          <a:xfrm>
+            <a:off x="8034184" y="1481697"/>
+            <a:ext cx="886710" cy="886710"/>
+          </a:xfrm>
+          <a:prstGeom prst="rect">
+            <a:avLst/>
+          </a:prstGeom>
+        </p:spPr>
+      </p:pic>
     </p:spTree>
     <p:extLst>
       <p:ext uri="{BB962C8B-B14F-4D97-AF65-F5344CB8AC3E}">
@@ -4987,6 +5059,42 @@
           </a:p>
         </p:txBody>
       </p:sp>
+      <p:pic>
+        <p:nvPicPr>
+          <p:cNvPr id="4" name="Picture 3" descr="A cartoon of a bee looking at a magnifying glass&#10;&#10;Description automatically generated">
+            <a:extLst>
+              <a:ext uri="{FF2B5EF4-FFF2-40B4-BE49-F238E27FC236}">
+                <a16:creationId xmlns:a16="http://schemas.microsoft.com/office/drawing/2014/main" id="{F34DD997-5D82-F6AD-5A39-CA8C4E1789E8}"/>
+              </a:ext>
+            </a:extLst>
+          </p:cNvPr>
+          <p:cNvPicPr>
+            <a:picLocks noChangeAspect="1"/>
+          </p:cNvPicPr>
+          <p:nvPr/>
+        </p:nvPicPr>
+        <p:blipFill>
+          <a:blip r:embed="rId3">
+            <a:extLst>
+              <a:ext uri="{28A0092B-C50C-407E-A947-70E740481C1C}">
+                <a14:useLocalDpi xmlns:a14="http://schemas.microsoft.com/office/drawing/2010/main" val="0"/>
+              </a:ext>
+            </a:extLst>
+          </a:blip>
+          <a:stretch>
+            <a:fillRect/>
+          </a:stretch>
+        </p:blipFill>
+        <p:spPr>
+          <a:xfrm>
+            <a:off x="10228246" y="940390"/>
+            <a:ext cx="886710" cy="886710"/>
+          </a:xfrm>
+          <a:prstGeom prst="rect">
+            <a:avLst/>
+          </a:prstGeom>
+        </p:spPr>
+      </p:pic>
     </p:spTree>
     <p:extLst>
       <p:ext uri="{BB962C8B-B14F-4D97-AF65-F5344CB8AC3E}">
@@ -5003,6 +5111,14 @@
 <file path=ppt/slides/slide13.xml><?xml version="1.0" encoding="utf-8"?>
 <p:sld xmlns:a="http://schemas.openxmlformats.org/drawingml/2006/main" xmlns:r="http://schemas.openxmlformats.org/officeDocument/2006/relationships" xmlns:p="http://schemas.openxmlformats.org/presentationml/2006/main">
   <p:cSld>
+    <p:bg>
+      <p:bgPr>
+        <a:solidFill>
+          <a:schemeClr val="bg1"/>
+        </a:solidFill>
+        <a:effectLst/>
+      </p:bgPr>
+    </p:bg>
     <p:spTree>
       <p:nvGrpSpPr>
         <p:cNvPr id="1" name=""/>
@@ -5017,6 +5133,66 @@
           <a:chExt cx="0" cy="0"/>
         </a:xfrm>
       </p:grpSpPr>
+      <p:sp useBgFill="1">
+        <p:nvSpPr>
+          <p:cNvPr id="19" name="Rectangle 18">
+            <a:extLst>
+              <a:ext uri="{FF2B5EF4-FFF2-40B4-BE49-F238E27FC236}">
+                <a16:creationId xmlns:a16="http://schemas.microsoft.com/office/drawing/2014/main" id="{5DF40726-9B19-4165-9C26-757D16E19E23}"/>
+              </a:ext>
+              <a:ext uri="{C183D7F6-B498-43B3-948B-1728B52AA6E4}">
+                <adec:decorative xmlns:adec="http://schemas.microsoft.com/office/drawing/2017/decorative" val="1"/>
+              </a:ext>
+            </a:extLst>
+          </p:cNvPr>
+          <p:cNvSpPr>
+            <a:spLocks noGrp="1" noRot="1" noChangeAspect="1" noMove="1" noResize="1" noEditPoints="1" noAdjustHandles="1" noChangeArrowheads="1" noChangeShapeType="1" noTextEdit="1"/>
+          </p:cNvSpPr>
+          <p:nvPr>
+            <p:extLst>
+              <p:ext uri="{386F3935-93C4-4BCD-93E2-E3B085C9AB24}">
+                <p16:designElem xmlns:p16="http://schemas.microsoft.com/office/powerpoint/2015/main" val="1"/>
+              </p:ext>
+            </p:extLst>
+          </p:nvPr>
+        </p:nvSpPr>
+        <p:spPr>
+          <a:xfrm>
+            <a:off x="0" y="0"/>
+            <a:ext cx="12192000" cy="6858000"/>
+          </a:xfrm>
+          <a:prstGeom prst="rect">
+            <a:avLst/>
+          </a:prstGeom>
+          <a:ln>
+            <a:noFill/>
+          </a:ln>
+        </p:spPr>
+        <p:style>
+          <a:lnRef idx="2">
+            <a:schemeClr val="accent1">
+              <a:shade val="50000"/>
+            </a:schemeClr>
+          </a:lnRef>
+          <a:fillRef idx="1">
+            <a:schemeClr val="accent1"/>
+          </a:fillRef>
+          <a:effectRef idx="0">
+            <a:schemeClr val="accent1"/>
+          </a:effectRef>
+          <a:fontRef idx="minor">
+            <a:schemeClr val="lt1"/>
+          </a:fontRef>
+        </p:style>
+        <p:txBody>
+          <a:bodyPr rtlCol="0" anchor="ctr"/>
+          <a:lstStyle/>
+          <a:p>
+            <a:pPr algn="ctr"/>
+            <a:endParaRPr lang="en-US"/>
+          </a:p>
+        </p:txBody>
+      </p:sp>
       <p:sp>
         <p:nvSpPr>
           <p:cNvPr id="4" name="Title 3">
@@ -5033,13 +5209,20 @@
             <p:ph type="title"/>
           </p:nvPr>
         </p:nvSpPr>
-        <p:spPr/>
-        <p:txBody>
-          <a:bodyPr/>
-          <a:lstStyle/>
-          <a:p>
-            <a:r>
-              <a:rPr lang="en-US" dirty="0"/>
+        <p:spPr>
+          <a:xfrm>
+            <a:off x="838199" y="564211"/>
+            <a:ext cx="5352289" cy="1165002"/>
+          </a:xfrm>
+        </p:spPr>
+        <p:txBody>
+          <a:bodyPr anchor="b">
+            <a:noAutofit/>
+          </a:bodyPr>
+          <a:lstStyle/>
+          <a:p>
+            <a:r>
+              <a:rPr lang="en-US" b="1" dirty="0"/>
               <a:t>pytest-fly next steps</a:t>
             </a:r>
           </a:p>
@@ -5061,9 +5244,16 @@
             <p:ph idx="1"/>
           </p:nvPr>
         </p:nvSpPr>
-        <p:spPr/>
-        <p:txBody>
-          <a:bodyPr/>
+        <p:spPr>
+          <a:xfrm>
+            <a:off x="889174" y="2055327"/>
+            <a:ext cx="6848541" cy="3776975"/>
+          </a:xfrm>
+        </p:spPr>
+        <p:txBody>
+          <a:bodyPr>
+            <a:normAutofit/>
+          </a:bodyPr>
           <a:lstStyle/>
           <a:p>
             <a:r>
@@ -5083,6 +5273,190 @@
               <a:t>Examples</a:t>
             </a:r>
           </a:p>
+          <a:p>
+            <a:r>
+              <a:rPr lang="en-US" sz="2400" dirty="0">
+                <a:hlinkClick r:id="rId2"/>
+              </a:rPr>
+              <a:t>https://github.com/jamesabel/pytest-fly</a:t>
+            </a:r>
+            <a:r>
+              <a:rPr lang="en-US" sz="2400" dirty="0"/>
+              <a:t> </a:t>
+            </a:r>
+          </a:p>
+        </p:txBody>
+      </p:sp>
+      <p:pic>
+        <p:nvPicPr>
+          <p:cNvPr id="6" name="Picture 5" descr="A cartoon of a bee looking at a magnifying glass&#10;&#10;Description automatically generated">
+            <a:extLst>
+              <a:ext uri="{FF2B5EF4-FFF2-40B4-BE49-F238E27FC236}">
+                <a16:creationId xmlns:a16="http://schemas.microsoft.com/office/drawing/2014/main" id="{32B1C1A4-7A56-B8F5-355E-C15DAFEF6B7B}"/>
+              </a:ext>
+            </a:extLst>
+          </p:cNvPr>
+          <p:cNvPicPr>
+            <a:picLocks noChangeAspect="1"/>
+          </p:cNvPicPr>
+          <p:nvPr/>
+        </p:nvPicPr>
+        <p:blipFill rotWithShape="1">
+          <a:blip r:embed="rId3">
+            <a:extLst>
+              <a:ext uri="{28A0092B-C50C-407E-A947-70E740481C1C}">
+                <a14:useLocalDpi xmlns:a14="http://schemas.microsoft.com/office/drawing/2010/main" val="0"/>
+              </a:ext>
+            </a:extLst>
+          </a:blip>
+          <a:srcRect l="482" r="1954" b="-4"/>
+          <a:stretch/>
+        </p:blipFill>
+        <p:spPr>
+          <a:xfrm>
+            <a:off x="7371956" y="727371"/>
+            <a:ext cx="4284751" cy="4391912"/>
+          </a:xfrm>
+          <a:prstGeom prst="rect">
+            <a:avLst/>
+          </a:prstGeom>
+        </p:spPr>
+      </p:pic>
+      <p:sp>
+        <p:nvSpPr>
+          <p:cNvPr id="20" name="Rectangle 19">
+            <a:extLst>
+              <a:ext uri="{FF2B5EF4-FFF2-40B4-BE49-F238E27FC236}">
+                <a16:creationId xmlns:a16="http://schemas.microsoft.com/office/drawing/2014/main" id="{2089CB41-F399-4AEB-980C-5BFB1049CBED}"/>
+              </a:ext>
+              <a:ext uri="{C183D7F6-B498-43B3-948B-1728B52AA6E4}">
+                <adec:decorative xmlns:adec="http://schemas.microsoft.com/office/drawing/2017/decorative" val="1"/>
+              </a:ext>
+            </a:extLst>
+          </p:cNvPr>
+          <p:cNvSpPr>
+            <a:spLocks noGrp="1" noRot="1" noChangeAspect="1" noMove="1" noResize="1" noEditPoints="1" noAdjustHandles="1" noChangeArrowheads="1" noChangeShapeType="1" noTextEdit="1"/>
+          </p:cNvSpPr>
+          <p:nvPr>
+            <p:extLst>
+              <p:ext uri="{386F3935-93C4-4BCD-93E2-E3B085C9AB24}">
+                <p16:designElem xmlns:p16="http://schemas.microsoft.com/office/powerpoint/2015/main" val="1"/>
+              </p:ext>
+            </p:extLst>
+          </p:nvPr>
+        </p:nvSpPr>
+        <p:spPr>
+          <a:xfrm>
+            <a:off x="841248" y="6112341"/>
+            <a:ext cx="10506456" cy="18288"/>
+          </a:xfrm>
+          <a:prstGeom prst="rect">
+            <a:avLst/>
+          </a:prstGeom>
+          <a:solidFill>
+            <a:srgbClr val="D5D5D5"/>
+          </a:solidFill>
+          <a:ln w="3175">
+            <a:noFill/>
+          </a:ln>
+          <a:effectLst/>
+        </p:spPr>
+        <p:style>
+          <a:lnRef idx="2">
+            <a:schemeClr val="accent1">
+              <a:shade val="50000"/>
+            </a:schemeClr>
+          </a:lnRef>
+          <a:fillRef idx="1">
+            <a:schemeClr val="accent1"/>
+          </a:fillRef>
+          <a:effectRef idx="0">
+            <a:schemeClr val="accent1"/>
+          </a:effectRef>
+          <a:fontRef idx="minor">
+            <a:schemeClr val="lt1"/>
+          </a:fontRef>
+        </p:style>
+        <p:txBody>
+          <a:bodyPr rtlCol="0" anchor="ctr"/>
+          <a:lstStyle/>
+          <a:p>
+            <a:pPr algn="ctr"/>
+            <a:endParaRPr lang="en-US">
+              <a:solidFill>
+                <a:prstClr val="white"/>
+              </a:solidFill>
+              <a:latin typeface="Calibri" panose="020F0502020204030204"/>
+            </a:endParaRPr>
+          </a:p>
+        </p:txBody>
+      </p:sp>
+      <p:sp>
+        <p:nvSpPr>
+          <p:cNvPr id="21" name="Rectangle 20">
+            <a:extLst>
+              <a:ext uri="{FF2B5EF4-FFF2-40B4-BE49-F238E27FC236}">
+                <a16:creationId xmlns:a16="http://schemas.microsoft.com/office/drawing/2014/main" id="{1BFC967B-3DD6-463D-9DB9-6E4419AE0DAA}"/>
+              </a:ext>
+              <a:ext uri="{C183D7F6-B498-43B3-948B-1728B52AA6E4}">
+                <adec:decorative xmlns:adec="http://schemas.microsoft.com/office/drawing/2017/decorative" val="1"/>
+              </a:ext>
+            </a:extLst>
+          </p:cNvPr>
+          <p:cNvSpPr>
+            <a:spLocks noGrp="1" noRot="1" noChangeAspect="1" noMove="1" noResize="1" noEditPoints="1" noAdjustHandles="1" noChangeArrowheads="1" noChangeShapeType="1" noTextEdit="1"/>
+          </p:cNvSpPr>
+          <p:nvPr>
+            <p:extLst>
+              <p:ext uri="{386F3935-93C4-4BCD-93E2-E3B085C9AB24}">
+                <p16:designElem xmlns:p16="http://schemas.microsoft.com/office/powerpoint/2015/main" val="1"/>
+              </p:ext>
+            </p:extLst>
+          </p:nvPr>
+        </p:nvSpPr>
+        <p:spPr>
+          <a:xfrm rot="5400000">
+            <a:off x="3096768" y="3817404"/>
+            <a:ext cx="54864" cy="4572000"/>
+          </a:xfrm>
+          <a:prstGeom prst="rect">
+            <a:avLst/>
+          </a:prstGeom>
+          <a:solidFill>
+            <a:schemeClr val="accent2"/>
+          </a:solidFill>
+          <a:ln>
+            <a:noFill/>
+          </a:ln>
+        </p:spPr>
+        <p:style>
+          <a:lnRef idx="2">
+            <a:schemeClr val="accent1">
+              <a:shade val="50000"/>
+            </a:schemeClr>
+          </a:lnRef>
+          <a:fillRef idx="1">
+            <a:schemeClr val="accent1"/>
+          </a:fillRef>
+          <a:effectRef idx="0">
+            <a:schemeClr val="accent1"/>
+          </a:effectRef>
+          <a:fontRef idx="minor">
+            <a:schemeClr val="lt1"/>
+          </a:fontRef>
+        </p:style>
+        <p:txBody>
+          <a:bodyPr rtlCol="0" anchor="ctr"/>
+          <a:lstStyle/>
+          <a:p>
+            <a:pPr algn="ctr"/>
+            <a:endParaRPr lang="en-US">
+              <a:solidFill>
+                <a:prstClr val="white"/>
+              </a:solidFill>
+              <a:latin typeface="Calibri" panose="020F0502020204030204"/>
+            </a:endParaRPr>
+          </a:p>
         </p:txBody>
       </p:sp>
       <p:sp>
@@ -5101,13 +5475,32 @@
             <p:ph type="ftr" sz="quarter" idx="11"/>
           </p:nvPr>
         </p:nvSpPr>
-        <p:spPr/>
-        <p:txBody>
-          <a:bodyPr/>
-          <a:lstStyle/>
-          <a:p>
-            <a:r>
-              <a:rPr lang="en-US"/>
+        <p:spPr>
+          <a:xfrm>
+            <a:off x="4038600" y="6356350"/>
+            <a:ext cx="4114800" cy="365125"/>
+          </a:xfrm>
+        </p:spPr>
+        <p:txBody>
+          <a:bodyPr>
+            <a:normAutofit/>
+          </a:bodyPr>
+          <a:lstStyle/>
+          <a:p>
+            <a:pPr>
+              <a:spcAft>
+                <a:spcPts val="600"/>
+              </a:spcAft>
+            </a:pPr>
+            <a:r>
+              <a:rPr lang="en-US">
+                <a:solidFill>
+                  <a:schemeClr val="tx1">
+                    <a:lumMod val="50000"/>
+                    <a:lumOff val="50000"/>
+                  </a:schemeClr>
+                </a:solidFill>
+              </a:rPr>
               <a:t>www.abel.co</a:t>
             </a:r>
           </a:p>
@@ -5129,16 +5522,47 @@
             <p:ph type="sldNum" sz="quarter" idx="12"/>
           </p:nvPr>
         </p:nvSpPr>
-        <p:spPr/>
-        <p:txBody>
-          <a:bodyPr/>
-          <a:lstStyle/>
-          <a:p>
+        <p:spPr>
+          <a:xfrm>
+            <a:off x="8610600" y="6356350"/>
+            <a:ext cx="2743200" cy="365125"/>
+          </a:xfrm>
+        </p:spPr>
+        <p:txBody>
+          <a:bodyPr>
+            <a:normAutofit/>
+          </a:bodyPr>
+          <a:lstStyle/>
+          <a:p>
+            <a:pPr>
+              <a:spcAft>
+                <a:spcPts val="600"/>
+              </a:spcAft>
+            </a:pPr>
             <a:fld id="{6480553B-0AA9-4774-8DA9-C49E531432C6}" type="slidenum">
-              <a:rPr lang="en-US" smtClean="0"/>
+              <a:rPr lang="en-US">
+                <a:solidFill>
+                  <a:schemeClr val="tx1">
+                    <a:lumMod val="50000"/>
+                    <a:lumOff val="50000"/>
+                  </a:schemeClr>
+                </a:solidFill>
+              </a:rPr>
+              <a:pPr>
+                <a:spcAft>
+                  <a:spcPts val="600"/>
+                </a:spcAft>
+              </a:pPr>
               <a:t>13</a:t>
             </a:fld>
-            <a:endParaRPr lang="en-US"/>
+            <a:endParaRPr lang="en-US">
+              <a:solidFill>
+                <a:schemeClr val="tx1">
+                  <a:lumMod val="50000"/>
+                  <a:lumOff val="50000"/>
+                </a:schemeClr>
+              </a:solidFill>
+            </a:endParaRPr>
           </a:p>
         </p:txBody>
       </p:sp>

--- a/docs/speeding_up_pytest_runs_SFPython_4_10_24.pptx
+++ b/docs/speeding_up_pytest_runs_SFPython_4_10_24.pptx
@@ -5259,6 +5259,12 @@
             <a:r>
               <a:rPr lang="en-US" dirty="0"/>
               <a:t>Testing of pytest-fly itself</a:t>
+            </a:r>
+          </a:p>
+          <a:p>
+            <a:r>
+              <a:rPr lang="en-US" dirty="0"/>
+              <a:t>Improved visualization/UI</a:t>
             </a:r>
           </a:p>
           <a:p>
